--- a/courses/theory/slides/lec02-math-foundation.pptx
+++ b/courses/theory/slides/lec02-math-foundation.pptx
@@ -5,7 +5,7 @@
     <p:sldMasterId id="2147483649" r:id="rId1"/>
   </p:sldMasterIdLst>
   <p:handoutMasterIdLst>
-    <p:handoutMasterId r:id="rId19"/>
+    <p:handoutMasterId r:id="rId21"/>
   </p:handoutMasterIdLst>
   <p:sldIdLst>
     <p:sldId id="256" r:id="rId2"/>
@@ -22,9 +22,11 @@
     <p:sldId id="317" r:id="rId13"/>
     <p:sldId id="318" r:id="rId14"/>
     <p:sldId id="322" r:id="rId15"/>
-    <p:sldId id="321" r:id="rId16"/>
-    <p:sldId id="323" r:id="rId17"/>
-    <p:sldId id="324" r:id="rId18"/>
+    <p:sldId id="326" r:id="rId16"/>
+    <p:sldId id="321" r:id="rId17"/>
+    <p:sldId id="323" r:id="rId18"/>
+    <p:sldId id="324" r:id="rId19"/>
+    <p:sldId id="325" r:id="rId20"/>
   </p:sldIdLst>
   <p:sldSz cx="9144000" cy="6858000" type="screen4x3"/>
   <p:notesSz cx="7099300" cy="10234613"/>
@@ -6568,8 +6570,8 @@
           </a:p>
         </p:txBody>
       </p:sp>
-      <mc:AlternateContent xmlns:mc="http://schemas.openxmlformats.org/markup-compatibility/2006">
-        <mc:Choice xmlns:a14="http://schemas.microsoft.com/office/drawing/2010/main" Requires="a14">
+      <mc:AlternateContent xmlns:mc="http://schemas.openxmlformats.org/markup-compatibility/2006" xmlns:a14="http://schemas.microsoft.com/office/drawing/2010/main">
+        <mc:Choice Requires="a14">
           <p:sp>
             <p:nvSpPr>
               <p:cNvPr id="22530" name="Rectangle 3">
@@ -7279,7 +7281,7 @@
             </p:txBody>
           </p:sp>
         </mc:Choice>
-        <mc:Fallback>
+        <mc:Fallback xmlns="">
           <p:sp>
             <p:nvSpPr>
               <p:cNvPr id="22530" name="Rectangle 3">
@@ -8465,8 +8467,8 @@
           </a:p>
         </p:txBody>
       </p:sp>
-      <mc:AlternateContent xmlns:mc="http://schemas.openxmlformats.org/markup-compatibility/2006">
-        <mc:Choice xmlns:a14="http://schemas.microsoft.com/office/drawing/2010/main" Requires="a14">
+      <mc:AlternateContent xmlns:mc="http://schemas.openxmlformats.org/markup-compatibility/2006" xmlns:a14="http://schemas.microsoft.com/office/drawing/2010/main">
+        <mc:Choice Requires="a14">
           <p:sp>
             <p:nvSpPr>
               <p:cNvPr id="3" name="内容占位符 2">
@@ -8963,7 +8965,7 @@
             </p:txBody>
           </p:sp>
         </mc:Choice>
-        <mc:Fallback>
+        <mc:Fallback xmlns="">
           <p:sp>
             <p:nvSpPr>
               <p:cNvPr id="3" name="内容占位符 2">
@@ -9444,23 +9446,7 @@
               <a:p>
                 <a:r>
                   <a:rPr kumimoji="1" lang="en-US" altLang="zh-CN" dirty="0"/>
-                  <a:t>Examples</a:t>
-                </a:r>
-                <a:r>
-                  <a:rPr kumimoji="1" lang="zh-CN" altLang="en-US" dirty="0"/>
-                  <a:t> </a:t>
-                </a:r>
-                <a:r>
-                  <a:rPr kumimoji="1" lang="en-US" altLang="zh-CN" dirty="0"/>
-                  <a:t>(on</a:t>
-                </a:r>
-                <a:r>
-                  <a:rPr kumimoji="1" lang="zh-CN" altLang="en-US" dirty="0"/>
-                  <a:t> </a:t>
-                </a:r>
-                <a:r>
-                  <a:rPr kumimoji="1" lang="en-US" altLang="zh-CN" dirty="0"/>
-                  <a:t>blackboard)</a:t>
+                  <a:t>Examples:</a:t>
                 </a:r>
               </a:p>
               <a:p>
@@ -9528,7 +9514,7 @@
                   <a:t> </a:t>
                 </a:r>
                 <a:r>
-                  <a:rPr kumimoji="1" lang="en-US" altLang="zh-CN"/>
+                  <a:rPr kumimoji="1" lang="en-US" altLang="zh-CN" dirty="0"/>
                   <a:t>problem</a:t>
                 </a:r>
                 <a:endParaRPr kumimoji="1" lang="zh-CN" altLang="en-US" dirty="0"/>
@@ -9557,7 +9543,7 @@
               <a:blipFill>
                 <a:blip r:embed="rId2"/>
                 <a:stretch>
-                  <a:fillRect l="-489" t="-1846" b="-17538"/>
+                  <a:fillRect l="-653" t="-1846" b="-17846"/>
                 </a:stretch>
               </a:blipFill>
             </p:spPr>
@@ -9627,6 +9613,476 @@
           <a:bodyPr/>
           <a:lstStyle/>
           <a:p>
+            <a:pPr lvl="1"/>
+            <a:r>
+              <a:rPr kumimoji="1" lang="en-US" altLang="zh-CN" dirty="0"/>
+              <a:t>Subset</a:t>
+            </a:r>
+            <a:r>
+              <a:rPr kumimoji="1" lang="zh-CN" altLang="en-US" dirty="0"/>
+              <a:t> </a:t>
+            </a:r>
+            <a:r>
+              <a:rPr kumimoji="1" lang="en-US" altLang="zh-CN" dirty="0"/>
+              <a:t>sum</a:t>
+            </a:r>
+            <a:r>
+              <a:rPr kumimoji="1" lang="zh-CN" altLang="en-US" dirty="0"/>
+              <a:t> </a:t>
+            </a:r>
+            <a:r>
+              <a:rPr kumimoji="1" lang="en-US" altLang="zh-CN" dirty="0"/>
+              <a:t>problem</a:t>
+            </a:r>
+          </a:p>
+        </p:txBody>
+      </p:sp>
+      <p:sp>
+        <p:nvSpPr>
+          <p:cNvPr id="3" name="内容占位符 2">
+            <a:extLst>
+              <a:ext uri="{FF2B5EF4-FFF2-40B4-BE49-F238E27FC236}">
+                <a16:creationId xmlns:a16="http://schemas.microsoft.com/office/drawing/2014/main" id="{1A7341D3-BB60-1B4E-93E8-D51478E806A1}"/>
+              </a:ext>
+            </a:extLst>
+          </p:cNvPr>
+          <p:cNvSpPr>
+            <a:spLocks noGrp="1"/>
+          </p:cNvSpPr>
+          <p:nvPr>
+            <p:ph idx="1"/>
+          </p:nvPr>
+        </p:nvSpPr>
+        <p:spPr/>
+        <p:txBody>
+          <a:bodyPr/>
+          <a:lstStyle/>
+          <a:p>
+            <a:r>
+              <a:rPr kumimoji="1" lang="en-US" altLang="zh-CN" dirty="0"/>
+              <a:t>Given</a:t>
+            </a:r>
+            <a:r>
+              <a:rPr kumimoji="1" lang="zh-CN" altLang="en-US" dirty="0"/>
+              <a:t> </a:t>
+            </a:r>
+            <a:r>
+              <a:rPr kumimoji="1" lang="en-US" altLang="zh-CN" dirty="0"/>
+              <a:t>a</a:t>
+            </a:r>
+            <a:r>
+              <a:rPr kumimoji="1" lang="zh-CN" altLang="en-US" dirty="0"/>
+              <a:t> </a:t>
+            </a:r>
+            <a:r>
+              <a:rPr kumimoji="1" lang="en-US" altLang="zh-CN" dirty="0"/>
+              <a:t>set</a:t>
+            </a:r>
+            <a:r>
+              <a:rPr kumimoji="1" lang="zh-CN" altLang="en-US" dirty="0"/>
+              <a:t> </a:t>
+            </a:r>
+            <a:r>
+              <a:rPr kumimoji="1" lang="en-US" altLang="zh-CN" dirty="0">
+                <a:solidFill>
+                  <a:srgbClr val="0432FF"/>
+                </a:solidFill>
+              </a:rPr>
+              <a:t>S</a:t>
+            </a:r>
+            <a:r>
+              <a:rPr kumimoji="1" lang="zh-CN" altLang="en-US" dirty="0">
+                <a:solidFill>
+                  <a:srgbClr val="0432FF"/>
+                </a:solidFill>
+              </a:rPr>
+              <a:t> </a:t>
+            </a:r>
+            <a:r>
+              <a:rPr kumimoji="1" lang="en-US" altLang="zh-CN" dirty="0">
+                <a:solidFill>
+                  <a:srgbClr val="0432FF"/>
+                </a:solidFill>
+              </a:rPr>
+              <a:t>=</a:t>
+            </a:r>
+            <a:r>
+              <a:rPr kumimoji="1" lang="zh-CN" altLang="en-US" dirty="0">
+                <a:solidFill>
+                  <a:srgbClr val="0432FF"/>
+                </a:solidFill>
+              </a:rPr>
+              <a:t> </a:t>
+            </a:r>
+            <a:r>
+              <a:rPr kumimoji="1" lang="en-US" altLang="zh-CN" dirty="0">
+                <a:solidFill>
+                  <a:srgbClr val="0432FF"/>
+                </a:solidFill>
+              </a:rPr>
+              <a:t>{x_1,</a:t>
+            </a:r>
+            <a:r>
+              <a:rPr kumimoji="1" lang="zh-CN" altLang="en-US" dirty="0">
+                <a:solidFill>
+                  <a:srgbClr val="0432FF"/>
+                </a:solidFill>
+              </a:rPr>
+              <a:t> </a:t>
+            </a:r>
+            <a:r>
+              <a:rPr kumimoji="1" lang="en-US" altLang="zh-CN" dirty="0">
+                <a:solidFill>
+                  <a:srgbClr val="0432FF"/>
+                </a:solidFill>
+              </a:rPr>
+              <a:t>…,</a:t>
+            </a:r>
+            <a:r>
+              <a:rPr kumimoji="1" lang="zh-CN" altLang="en-US" dirty="0">
+                <a:solidFill>
+                  <a:srgbClr val="0432FF"/>
+                </a:solidFill>
+              </a:rPr>
+              <a:t> </a:t>
+            </a:r>
+            <a:r>
+              <a:rPr kumimoji="1" lang="en-US" altLang="zh-CN" dirty="0" err="1">
+                <a:solidFill>
+                  <a:srgbClr val="0432FF"/>
+                </a:solidFill>
+              </a:rPr>
+              <a:t>x_n</a:t>
+            </a:r>
+            <a:r>
+              <a:rPr kumimoji="1" lang="en-US" altLang="zh-CN" dirty="0">
+                <a:solidFill>
+                  <a:srgbClr val="0432FF"/>
+                </a:solidFill>
+              </a:rPr>
+              <a:t>}</a:t>
+            </a:r>
+          </a:p>
+          <a:p>
+            <a:pPr lvl="1"/>
+            <a:r>
+              <a:rPr kumimoji="1" lang="en-US" altLang="zh-CN" dirty="0"/>
+              <a:t>Find</a:t>
+            </a:r>
+            <a:r>
+              <a:rPr kumimoji="1" lang="zh-CN" altLang="en-US" dirty="0"/>
+              <a:t> </a:t>
+            </a:r>
+            <a:r>
+              <a:rPr kumimoji="1" lang="en-US" altLang="zh-CN" dirty="0"/>
+              <a:t>a</a:t>
+            </a:r>
+            <a:r>
+              <a:rPr kumimoji="1" lang="zh-CN" altLang="en-US" dirty="0"/>
+              <a:t> </a:t>
+            </a:r>
+            <a:r>
+              <a:rPr kumimoji="1" lang="en-US" altLang="zh-CN" dirty="0"/>
+              <a:t>subset</a:t>
+            </a:r>
+            <a:r>
+              <a:rPr kumimoji="1" lang="zh-CN" altLang="en-US" dirty="0"/>
+              <a:t> </a:t>
+            </a:r>
+            <a:r>
+              <a:rPr kumimoji="1" lang="en-US" altLang="zh-CN" dirty="0">
+                <a:solidFill>
+                  <a:srgbClr val="0432FF"/>
+                </a:solidFill>
+              </a:rPr>
+              <a:t>T</a:t>
+            </a:r>
+            <a:r>
+              <a:rPr kumimoji="1" lang="zh-CN" altLang="en-US" dirty="0"/>
+              <a:t> </a:t>
+            </a:r>
+            <a:r>
+              <a:rPr kumimoji="1" lang="en-US" altLang="zh-CN" dirty="0"/>
+              <a:t>of</a:t>
+            </a:r>
+            <a:r>
+              <a:rPr kumimoji="1" lang="zh-CN" altLang="en-US" dirty="0"/>
+              <a:t> </a:t>
+            </a:r>
+            <a:r>
+              <a:rPr kumimoji="1" lang="en-US" altLang="zh-CN" dirty="0">
+                <a:solidFill>
+                  <a:srgbClr val="0432FF"/>
+                </a:solidFill>
+              </a:rPr>
+              <a:t>S</a:t>
+            </a:r>
+            <a:r>
+              <a:rPr kumimoji="1" lang="en-US" altLang="zh-CN" dirty="0"/>
+              <a:t>,</a:t>
+            </a:r>
+            <a:r>
+              <a:rPr kumimoji="1" lang="zh-CN" altLang="en-US" dirty="0"/>
+              <a:t> </a:t>
+            </a:r>
+            <a:r>
+              <a:rPr kumimoji="1" lang="en-US" altLang="zh-CN" dirty="0"/>
+              <a:t>such</a:t>
+            </a:r>
+            <a:r>
+              <a:rPr kumimoji="1" lang="zh-CN" altLang="en-US" dirty="0"/>
+              <a:t> </a:t>
+            </a:r>
+            <a:r>
+              <a:rPr kumimoji="1" lang="en-US" altLang="zh-CN" dirty="0"/>
+              <a:t>that</a:t>
+            </a:r>
+            <a:r>
+              <a:rPr kumimoji="1" lang="zh-CN" altLang="en-US" dirty="0"/>
+              <a:t> </a:t>
+            </a:r>
+            <a:r>
+              <a:rPr kumimoji="1" lang="en-US" altLang="zh-CN" dirty="0">
+                <a:solidFill>
+                  <a:srgbClr val="0432FF"/>
+                </a:solidFill>
+              </a:rPr>
+              <a:t>\sum</a:t>
+            </a:r>
+            <a:r>
+              <a:rPr kumimoji="1" lang="zh-CN" altLang="en-US" dirty="0">
+                <a:solidFill>
+                  <a:srgbClr val="0432FF"/>
+                </a:solidFill>
+              </a:rPr>
+              <a:t> </a:t>
+            </a:r>
+            <a:r>
+              <a:rPr kumimoji="1" lang="en-US" altLang="zh-CN" dirty="0">
+                <a:solidFill>
+                  <a:srgbClr val="0432FF"/>
+                </a:solidFill>
+              </a:rPr>
+              <a:t>T</a:t>
+            </a:r>
+            <a:r>
+              <a:rPr kumimoji="1" lang="zh-CN" altLang="en-US" dirty="0">
+                <a:solidFill>
+                  <a:srgbClr val="0432FF"/>
+                </a:solidFill>
+              </a:rPr>
+              <a:t> </a:t>
+            </a:r>
+            <a:r>
+              <a:rPr kumimoji="1" lang="en-US" altLang="zh-CN" dirty="0">
+                <a:solidFill>
+                  <a:srgbClr val="0432FF"/>
+                </a:solidFill>
+              </a:rPr>
+              <a:t>=</a:t>
+            </a:r>
+            <a:r>
+              <a:rPr kumimoji="1" lang="zh-CN" altLang="en-US" dirty="0">
+                <a:solidFill>
+                  <a:srgbClr val="0432FF"/>
+                </a:solidFill>
+              </a:rPr>
+              <a:t> </a:t>
+            </a:r>
+            <a:r>
+              <a:rPr kumimoji="1" lang="en-US" altLang="zh-CN" dirty="0">
+                <a:solidFill>
+                  <a:srgbClr val="0432FF"/>
+                </a:solidFill>
+              </a:rPr>
+              <a:t>0</a:t>
+            </a:r>
+          </a:p>
+          <a:p>
+            <a:pPr lvl="1"/>
+            <a:r>
+              <a:rPr kumimoji="1" lang="en-US" altLang="zh-CN" dirty="0">
+                <a:solidFill>
+                  <a:srgbClr val="0432FF"/>
+                </a:solidFill>
+              </a:rPr>
+              <a:t>T</a:t>
+            </a:r>
+            <a:r>
+              <a:rPr kumimoji="1" lang="zh-CN" altLang="en-US" dirty="0"/>
+              <a:t> </a:t>
+            </a:r>
+            <a:r>
+              <a:rPr kumimoji="1" lang="en-US" altLang="zh-CN" dirty="0"/>
+              <a:t>is</a:t>
+            </a:r>
+            <a:r>
+              <a:rPr kumimoji="1" lang="zh-CN" altLang="en-US" dirty="0"/>
+              <a:t> </a:t>
+            </a:r>
+            <a:r>
+              <a:rPr kumimoji="1" lang="en-US" altLang="zh-CN" dirty="0"/>
+              <a:t>nonempty</a:t>
+            </a:r>
+          </a:p>
+          <a:p>
+            <a:r>
+              <a:rPr kumimoji="1" lang="en-US" altLang="zh-CN" dirty="0"/>
+              <a:t>E.g.,</a:t>
+            </a:r>
+            <a:r>
+              <a:rPr kumimoji="1" lang="zh-CN" altLang="en-US" dirty="0"/>
+              <a:t> </a:t>
+            </a:r>
+            <a:r>
+              <a:rPr kumimoji="1" lang="en-US" altLang="zh-CN" dirty="0">
+                <a:solidFill>
+                  <a:srgbClr val="0432FF"/>
+                </a:solidFill>
+              </a:rPr>
+              <a:t>S</a:t>
+            </a:r>
+            <a:r>
+              <a:rPr kumimoji="1" lang="zh-CN" altLang="en-US" dirty="0">
+                <a:solidFill>
+                  <a:srgbClr val="0432FF"/>
+                </a:solidFill>
+              </a:rPr>
+              <a:t> </a:t>
+            </a:r>
+            <a:r>
+              <a:rPr kumimoji="1" lang="en-US" altLang="zh-CN" dirty="0">
+                <a:solidFill>
+                  <a:srgbClr val="0432FF"/>
+                </a:solidFill>
+              </a:rPr>
+              <a:t>=</a:t>
+            </a:r>
+            <a:r>
+              <a:rPr kumimoji="1" lang="zh-CN" altLang="en-US" dirty="0">
+                <a:solidFill>
+                  <a:srgbClr val="0432FF"/>
+                </a:solidFill>
+              </a:rPr>
+              <a:t> </a:t>
+            </a:r>
+            <a:r>
+              <a:rPr kumimoji="1" lang="en-US" altLang="zh-CN" dirty="0">
+                <a:solidFill>
+                  <a:srgbClr val="0432FF"/>
+                </a:solidFill>
+              </a:rPr>
+              <a:t>{5,</a:t>
+            </a:r>
+            <a:r>
+              <a:rPr kumimoji="1" lang="zh-CN" altLang="en-US" dirty="0">
+                <a:solidFill>
+                  <a:srgbClr val="0432FF"/>
+                </a:solidFill>
+              </a:rPr>
+              <a:t> </a:t>
+            </a:r>
+            <a:r>
+              <a:rPr kumimoji="1" lang="en-US" altLang="zh-CN" dirty="0">
+                <a:solidFill>
+                  <a:srgbClr val="0432FF"/>
+                </a:solidFill>
+              </a:rPr>
+              <a:t>8,</a:t>
+            </a:r>
+            <a:r>
+              <a:rPr kumimoji="1" lang="zh-CN" altLang="en-US" dirty="0">
+                <a:solidFill>
+                  <a:srgbClr val="0432FF"/>
+                </a:solidFill>
+              </a:rPr>
+              <a:t> </a:t>
+            </a:r>
+            <a:r>
+              <a:rPr kumimoji="1" lang="en-US" altLang="zh-CN" dirty="0">
+                <a:solidFill>
+                  <a:srgbClr val="0432FF"/>
+                </a:solidFill>
+              </a:rPr>
+              <a:t>-2,</a:t>
+            </a:r>
+            <a:r>
+              <a:rPr kumimoji="1" lang="zh-CN" altLang="en-US" dirty="0">
+                <a:solidFill>
+                  <a:srgbClr val="0432FF"/>
+                </a:solidFill>
+              </a:rPr>
+              <a:t> </a:t>
+            </a:r>
+            <a:r>
+              <a:rPr kumimoji="1" lang="en-US" altLang="zh-CN" dirty="0">
+                <a:solidFill>
+                  <a:srgbClr val="0432FF"/>
+                </a:solidFill>
+              </a:rPr>
+              <a:t>-3}</a:t>
+            </a:r>
+          </a:p>
+          <a:p>
+            <a:r>
+              <a:rPr kumimoji="1" lang="en-US" altLang="zh-CN" dirty="0"/>
+              <a:t>Algorithm?</a:t>
+            </a:r>
+            <a:endParaRPr kumimoji="1" lang="zh-CN" altLang="en-US" dirty="0"/>
+          </a:p>
+        </p:txBody>
+      </p:sp>
+    </p:spTree>
+    <p:extLst>
+      <p:ext uri="{BB962C8B-B14F-4D97-AF65-F5344CB8AC3E}">
+        <p14:creationId xmlns:p14="http://schemas.microsoft.com/office/powerpoint/2010/main" val="2424965727"/>
+      </p:ext>
+    </p:extLst>
+  </p:cSld>
+  <p:clrMapOvr>
+    <a:masterClrMapping/>
+  </p:clrMapOvr>
+</p:sld>
+</file>
+
+<file path=ppt/slides/slide16.xml><?xml version="1.0" encoding="utf-8"?>
+<p:sld xmlns:a="http://schemas.openxmlformats.org/drawingml/2006/main" xmlns:r="http://schemas.openxmlformats.org/officeDocument/2006/relationships" xmlns:p="http://schemas.openxmlformats.org/presentationml/2006/main">
+  <p:cSld>
+    <p:spTree>
+      <p:nvGrpSpPr>
+        <p:cNvPr id="1" name=""/>
+        <p:cNvGrpSpPr/>
+        <p:nvPr/>
+      </p:nvGrpSpPr>
+      <p:grpSpPr>
+        <a:xfrm>
+          <a:off x="0" y="0"/>
+          <a:ext cx="0" cy="0"/>
+          <a:chOff x="0" y="0"/>
+          <a:chExt cx="0" cy="0"/>
+        </a:xfrm>
+      </p:grpSpPr>
+      <p:sp>
+        <p:nvSpPr>
+          <p:cNvPr id="2" name="标题 1">
+            <a:extLst>
+              <a:ext uri="{FF2B5EF4-FFF2-40B4-BE49-F238E27FC236}">
+                <a16:creationId xmlns:a16="http://schemas.microsoft.com/office/drawing/2014/main" id="{19B84223-F9EB-B240-8891-0609B4A7FEB1}"/>
+              </a:ext>
+            </a:extLst>
+          </p:cNvPr>
+          <p:cNvSpPr>
+            <a:spLocks noGrp="1"/>
+          </p:cNvSpPr>
+          <p:nvPr>
+            <p:ph type="title"/>
+          </p:nvPr>
+        </p:nvSpPr>
+        <p:spPr/>
+        <p:txBody>
+          <a:bodyPr/>
+          <a:lstStyle/>
+          <a:p>
             <a:r>
               <a:rPr kumimoji="1" lang="en-US" altLang="zh-CN" dirty="0"/>
               <a:t>P</a:t>
@@ -9651,8 +10107,8 @@
           </a:p>
         </p:txBody>
       </p:sp>
-      <mc:AlternateContent xmlns:mc="http://schemas.openxmlformats.org/markup-compatibility/2006">
-        <mc:Choice xmlns:a14="http://schemas.microsoft.com/office/drawing/2010/main" Requires="a14">
+      <mc:AlternateContent xmlns:mc="http://schemas.openxmlformats.org/markup-compatibility/2006" xmlns:a14="http://schemas.microsoft.com/office/drawing/2010/main">
+        <mc:Choice Requires="a14">
           <p:sp>
             <p:nvSpPr>
               <p:cNvPr id="3" name="内容占位符 2">
@@ -10108,7 +10564,7 @@
             </p:txBody>
           </p:sp>
         </mc:Choice>
-        <mc:Fallback>
+        <mc:Fallback xmlns="">
           <p:sp>
             <p:nvSpPr>
               <p:cNvPr id="3" name="内容占位符 2">
@@ -10274,7 +10730,7 @@
 </p:sld>
 </file>
 
-<file path=ppt/slides/slide16.xml><?xml version="1.0" encoding="utf-8"?>
+<file path=ppt/slides/slide17.xml><?xml version="1.0" encoding="utf-8"?>
 <p:sld xmlns:a="http://schemas.openxmlformats.org/drawingml/2006/main" xmlns:r="http://schemas.openxmlformats.org/officeDocument/2006/relationships" xmlns:p="http://schemas.openxmlformats.org/presentationml/2006/main">
   <p:cSld>
     <p:spTree>
@@ -10837,7 +11293,7 @@
 </p:sld>
 </file>
 
-<file path=ppt/slides/slide17.xml><?xml version="1.0" encoding="utf-8"?>
+<file path=ppt/slides/slide18.xml><?xml version="1.0" encoding="utf-8"?>
 <p:sld xmlns:a="http://schemas.openxmlformats.org/drawingml/2006/main" xmlns:r="http://schemas.openxmlformats.org/officeDocument/2006/relationships" xmlns:p="http://schemas.openxmlformats.org/presentationml/2006/main">
   <p:cSld>
     <p:spTree>
@@ -11269,6 +11725,153 @@
     <p:extLst>
       <p:ext uri="{BB962C8B-B14F-4D97-AF65-F5344CB8AC3E}">
         <p14:creationId xmlns:p14="http://schemas.microsoft.com/office/powerpoint/2010/main" val="2311429023"/>
+      </p:ext>
+    </p:extLst>
+  </p:cSld>
+  <p:clrMapOvr>
+    <a:masterClrMapping/>
+  </p:clrMapOvr>
+</p:sld>
+</file>
+
+<file path=ppt/slides/slide19.xml><?xml version="1.0" encoding="utf-8"?>
+<p:sld xmlns:a="http://schemas.openxmlformats.org/drawingml/2006/main" xmlns:r="http://schemas.openxmlformats.org/officeDocument/2006/relationships" xmlns:p="http://schemas.openxmlformats.org/presentationml/2006/main">
+  <p:cSld>
+    <p:spTree>
+      <p:nvGrpSpPr>
+        <p:cNvPr id="1" name=""/>
+        <p:cNvGrpSpPr/>
+        <p:nvPr/>
+      </p:nvGrpSpPr>
+      <p:grpSpPr>
+        <a:xfrm>
+          <a:off x="0" y="0"/>
+          <a:ext cx="0" cy="0"/>
+          <a:chOff x="0" y="0"/>
+          <a:chExt cx="0" cy="0"/>
+        </a:xfrm>
+      </p:grpSpPr>
+      <p:sp>
+        <p:nvSpPr>
+          <p:cNvPr id="2" name="标题 1">
+            <a:extLst>
+              <a:ext uri="{FF2B5EF4-FFF2-40B4-BE49-F238E27FC236}">
+                <a16:creationId xmlns:a16="http://schemas.microsoft.com/office/drawing/2014/main" id="{19B84223-F9EB-B240-8891-0609B4A7FEB1}"/>
+              </a:ext>
+            </a:extLst>
+          </p:cNvPr>
+          <p:cNvSpPr>
+            <a:spLocks noGrp="1"/>
+          </p:cNvSpPr>
+          <p:nvPr>
+            <p:ph type="title"/>
+          </p:nvPr>
+        </p:nvSpPr>
+        <p:spPr/>
+        <p:txBody>
+          <a:bodyPr/>
+          <a:lstStyle/>
+          <a:p>
+            <a:r>
+              <a:rPr kumimoji="1" lang="en-US" altLang="zh-CN" dirty="0"/>
+              <a:t>The 7 Millennium Prize Problems</a:t>
+            </a:r>
+            <a:endParaRPr kumimoji="1" lang="zh-CN" altLang="en-US" dirty="0"/>
+          </a:p>
+        </p:txBody>
+      </p:sp>
+      <p:sp>
+        <p:nvSpPr>
+          <p:cNvPr id="3" name="内容占位符 2">
+            <a:extLst>
+              <a:ext uri="{FF2B5EF4-FFF2-40B4-BE49-F238E27FC236}">
+                <a16:creationId xmlns:a16="http://schemas.microsoft.com/office/drawing/2014/main" id="{1A7341D3-BB60-1B4E-93E8-D51478E806A1}"/>
+              </a:ext>
+            </a:extLst>
+          </p:cNvPr>
+          <p:cNvSpPr>
+            <a:spLocks noGrp="1"/>
+          </p:cNvSpPr>
+          <p:nvPr>
+            <p:ph idx="1"/>
+          </p:nvPr>
+        </p:nvSpPr>
+        <p:spPr/>
+        <p:txBody>
+          <a:bodyPr/>
+          <a:lstStyle/>
+          <a:p>
+            <a:r>
+              <a:rPr kumimoji="1" lang="en-US" altLang="zh-CN" sz="2400" dirty="0"/>
+              <a:t>P versus NP</a:t>
+            </a:r>
+          </a:p>
+          <a:p>
+            <a:r>
+              <a:rPr kumimoji="1" lang="en-US" altLang="zh-CN" sz="2400" dirty="0"/>
+              <a:t>The Hodge conjecture (algebraic</a:t>
+            </a:r>
+            <a:r>
+              <a:rPr kumimoji="1" lang="zh-CN" altLang="en-US" sz="2400" dirty="0"/>
+              <a:t> </a:t>
+            </a:r>
+            <a:r>
+              <a:rPr kumimoji="1" lang="en-US" altLang="zh-CN" sz="2400" dirty="0"/>
+              <a:t>geometry)</a:t>
+            </a:r>
+          </a:p>
+          <a:p>
+            <a:r>
+              <a:rPr kumimoji="1" lang="en-US" altLang="zh-CN" sz="2400" dirty="0"/>
+              <a:t>The </a:t>
+            </a:r>
+            <a:r>
+              <a:rPr kumimoji="1" lang="en-US" altLang="zh-CN" sz="2400" dirty="0" err="1"/>
+              <a:t>Poincaré</a:t>
+            </a:r>
+            <a:r>
+              <a:rPr kumimoji="1" lang="en-US" altLang="zh-CN" sz="2400" dirty="0"/>
+              <a:t> conjecture</a:t>
+            </a:r>
+          </a:p>
+          <a:p>
+            <a:pPr lvl="1"/>
+            <a:r>
+              <a:rPr kumimoji="1" lang="en-US" altLang="zh-CN" sz="2000" dirty="0"/>
+              <a:t>solved, by Grigori Perelman (topology)</a:t>
+            </a:r>
+          </a:p>
+          <a:p>
+            <a:r>
+              <a:rPr kumimoji="1" lang="en-US" altLang="zh-CN" sz="2400" dirty="0"/>
+              <a:t>The Riemann hypothesis</a:t>
+            </a:r>
+          </a:p>
+          <a:p>
+            <a:r>
+              <a:rPr kumimoji="1" lang="en-US" altLang="zh-CN" sz="2400" dirty="0"/>
+              <a:t>Yang–Mills existence and mass gap</a:t>
+            </a:r>
+          </a:p>
+          <a:p>
+            <a:r>
+              <a:rPr kumimoji="1" lang="en-US" altLang="zh-CN" sz="2400" dirty="0"/>
+              <a:t>Navier–Stokes existence and smoothness</a:t>
+            </a:r>
+          </a:p>
+          <a:p>
+            <a:r>
+              <a:rPr kumimoji="1" lang="en-US" altLang="zh-CN" sz="2400" dirty="0"/>
+              <a:t>The Birch and Swinnerton-Dyer conjecture</a:t>
+            </a:r>
+            <a:endParaRPr kumimoji="1" lang="zh-CN" altLang="en-US" sz="2400" dirty="0"/>
+          </a:p>
+        </p:txBody>
+      </p:sp>
+    </p:spTree>
+    <p:extLst>
+      <p:ext uri="{BB962C8B-B14F-4D97-AF65-F5344CB8AC3E}">
+        <p14:creationId xmlns:p14="http://schemas.microsoft.com/office/powerpoint/2010/main" val="177098457"/>
       </p:ext>
     </p:extLst>
   </p:cSld>
@@ -12068,8 +12671,8 @@
           </a:p>
         </p:txBody>
       </p:sp>
-      <mc:AlternateContent xmlns:mc="http://schemas.openxmlformats.org/markup-compatibility/2006">
-        <mc:Choice xmlns:a14="http://schemas.microsoft.com/office/drawing/2010/main" Requires="a14">
+      <mc:AlternateContent xmlns:mc="http://schemas.openxmlformats.org/markup-compatibility/2006" xmlns:a14="http://schemas.microsoft.com/office/drawing/2010/main">
+        <mc:Choice Requires="a14">
           <p:sp>
             <p:nvSpPr>
               <p:cNvPr id="17410" name="Rectangle 3">
@@ -12463,7 +13066,7 @@
             </p:txBody>
           </p:sp>
         </mc:Choice>
-        <mc:Fallback>
+        <mc:Fallback xmlns="">
           <p:sp>
             <p:nvSpPr>
               <p:cNvPr id="17410" name="Rectangle 3">
@@ -12557,8 +13160,8 @@
           </a:p>
         </p:txBody>
       </p:sp>
-      <mc:AlternateContent xmlns:mc="http://schemas.openxmlformats.org/markup-compatibility/2006">
-        <mc:Choice xmlns:a14="http://schemas.microsoft.com/office/drawing/2010/main" Requires="a14">
+      <mc:AlternateContent xmlns:mc="http://schemas.openxmlformats.org/markup-compatibility/2006" xmlns:a14="http://schemas.microsoft.com/office/drawing/2010/main">
+        <mc:Choice Requires="a14">
           <p:sp>
             <p:nvSpPr>
               <p:cNvPr id="3" name="内容占位符 2">
@@ -12923,7 +13526,7 @@
             </p:txBody>
           </p:sp>
         </mc:Choice>
-        <mc:Fallback>
+        <mc:Fallback xmlns="">
           <p:sp>
             <p:nvSpPr>
               <p:cNvPr id="3" name="内容占位符 2">
@@ -13017,8 +13620,8 @@
           </a:p>
         </p:txBody>
       </p:sp>
-      <mc:AlternateContent xmlns:mc="http://schemas.openxmlformats.org/markup-compatibility/2006">
-        <mc:Choice xmlns:a14="http://schemas.microsoft.com/office/drawing/2010/main" Requires="a14">
+      <mc:AlternateContent xmlns:mc="http://schemas.openxmlformats.org/markup-compatibility/2006" xmlns:a14="http://schemas.microsoft.com/office/drawing/2010/main">
+        <mc:Choice Requires="a14">
           <p:sp>
             <p:nvSpPr>
               <p:cNvPr id="3" name="内容占位符 2">
@@ -13478,7 +14081,7 @@
             </p:txBody>
           </p:sp>
         </mc:Choice>
-        <mc:Fallback>
+        <mc:Fallback xmlns="">
           <p:sp>
             <p:nvSpPr>
               <p:cNvPr id="3" name="内容占位符 2">
